--- a/Documents/ClaimCycle/Processes/processFlow.pptx
+++ b/Documents/ClaimCycle/Processes/processFlow.pptx
@@ -7,7 +7,7 @@
   <p:sldIdLst>
     <p:sldId id="256" r:id="rId2"/>
   </p:sldIdLst>
-  <p:sldSz cx="6858000" cy="9144000" type="screen4x3"/>
+  <p:sldSz cx="9144000" cy="6858000" type="screen4x3"/>
   <p:notesSz cx="6954838" cy="9309100"/>
   <p:defaultTextStyle>
     <a:defPPr>
@@ -136,8 +136,8 @@
         </p:nvSpPr>
         <p:spPr>
           <a:xfrm>
-            <a:off x="514350" y="2840568"/>
-            <a:ext cx="5829300" cy="1960033"/>
+            <a:off x="685800" y="2130426"/>
+            <a:ext cx="7772400" cy="1470025"/>
           </a:xfrm>
         </p:spPr>
         <p:txBody>
@@ -164,8 +164,8 @@
         </p:nvSpPr>
         <p:spPr>
           <a:xfrm>
-            <a:off x="1028700" y="5181600"/>
-            <a:ext cx="4800600" cy="2336800"/>
+            <a:off x="1371600" y="3886200"/>
+            <a:ext cx="6400800" cy="1752600"/>
           </a:xfrm>
         </p:spPr>
         <p:txBody>
@@ -548,8 +548,8 @@
         </p:nvSpPr>
         <p:spPr>
           <a:xfrm>
-            <a:off x="4972050" y="366185"/>
-            <a:ext cx="1543050" cy="7802033"/>
+            <a:off x="6629400" y="274639"/>
+            <a:ext cx="2057400" cy="5851525"/>
           </a:xfrm>
         </p:spPr>
         <p:txBody>
@@ -576,8 +576,8 @@
         </p:nvSpPr>
         <p:spPr>
           <a:xfrm>
-            <a:off x="342900" y="366185"/>
-            <a:ext cx="4514850" cy="7802033"/>
+            <a:off x="457200" y="274639"/>
+            <a:ext cx="6019800" cy="5851525"/>
           </a:xfrm>
         </p:spPr>
         <p:txBody>
@@ -898,8 +898,8 @@
         </p:nvSpPr>
         <p:spPr>
           <a:xfrm>
-            <a:off x="541735" y="5875867"/>
-            <a:ext cx="5829300" cy="1816100"/>
+            <a:off x="722313" y="4406900"/>
+            <a:ext cx="7772400" cy="1362075"/>
           </a:xfrm>
         </p:spPr>
         <p:txBody>
@@ -930,8 +930,8 @@
         </p:nvSpPr>
         <p:spPr>
           <a:xfrm>
-            <a:off x="541735" y="3875618"/>
-            <a:ext cx="5829300" cy="2000249"/>
+            <a:off x="722313" y="2906714"/>
+            <a:ext cx="7772400" cy="1500187"/>
           </a:xfrm>
         </p:spPr>
         <p:txBody>
@@ -1167,8 +1167,8 @@
         </p:nvSpPr>
         <p:spPr>
           <a:xfrm>
-            <a:off x="342900" y="2133601"/>
-            <a:ext cx="3028950" cy="6034617"/>
+            <a:off x="457200" y="1600201"/>
+            <a:ext cx="4038600" cy="4525963"/>
           </a:xfrm>
         </p:spPr>
         <p:txBody>
@@ -1252,8 +1252,8 @@
         </p:nvSpPr>
         <p:spPr>
           <a:xfrm>
-            <a:off x="3486150" y="2133601"/>
-            <a:ext cx="3028950" cy="6034617"/>
+            <a:off x="4648200" y="1600201"/>
+            <a:ext cx="4038600" cy="4525963"/>
           </a:xfrm>
         </p:spPr>
         <p:txBody>
@@ -1459,8 +1459,8 @@
         </p:nvSpPr>
         <p:spPr>
           <a:xfrm>
-            <a:off x="342900" y="2046817"/>
-            <a:ext cx="3030141" cy="853016"/>
+            <a:off x="457201" y="1535113"/>
+            <a:ext cx="4040188" cy="639762"/>
           </a:xfrm>
         </p:spPr>
         <p:txBody>
@@ -1524,8 +1524,8 @@
         </p:nvSpPr>
         <p:spPr>
           <a:xfrm>
-            <a:off x="342900" y="2899833"/>
-            <a:ext cx="3030141" cy="5268384"/>
+            <a:off x="457201" y="2174875"/>
+            <a:ext cx="4040188" cy="3951288"/>
           </a:xfrm>
         </p:spPr>
         <p:txBody>
@@ -1609,8 +1609,8 @@
         </p:nvSpPr>
         <p:spPr>
           <a:xfrm>
-            <a:off x="3483769" y="2046817"/>
-            <a:ext cx="3031331" cy="853016"/>
+            <a:off x="4645026" y="1535113"/>
+            <a:ext cx="4041775" cy="639762"/>
           </a:xfrm>
         </p:spPr>
         <p:txBody>
@@ -1674,8 +1674,8 @@
         </p:nvSpPr>
         <p:spPr>
           <a:xfrm>
-            <a:off x="3483769" y="2899833"/>
-            <a:ext cx="3031331" cy="5268384"/>
+            <a:off x="4645026" y="2174875"/>
+            <a:ext cx="4041775" cy="3951288"/>
           </a:xfrm>
         </p:spPr>
         <p:txBody>
@@ -2067,8 +2067,8 @@
         </p:nvSpPr>
         <p:spPr>
           <a:xfrm>
-            <a:off x="342900" y="364067"/>
-            <a:ext cx="2256235" cy="1549400"/>
+            <a:off x="457201" y="273050"/>
+            <a:ext cx="3008313" cy="1162050"/>
           </a:xfrm>
         </p:spPr>
         <p:txBody>
@@ -2099,8 +2099,8 @@
         </p:nvSpPr>
         <p:spPr>
           <a:xfrm>
-            <a:off x="2681287" y="364067"/>
-            <a:ext cx="3833813" cy="7804151"/>
+            <a:off x="3575050" y="273051"/>
+            <a:ext cx="5111751" cy="5853113"/>
           </a:xfrm>
         </p:spPr>
         <p:txBody>
@@ -2184,8 +2184,8 @@
         </p:nvSpPr>
         <p:spPr>
           <a:xfrm>
-            <a:off x="342900" y="1913467"/>
-            <a:ext cx="2256235" cy="6254751"/>
+            <a:off x="457201" y="1435101"/>
+            <a:ext cx="3008313" cy="4691063"/>
           </a:xfrm>
         </p:spPr>
         <p:txBody>
@@ -2344,8 +2344,8 @@
         </p:nvSpPr>
         <p:spPr>
           <a:xfrm>
-            <a:off x="1344216" y="6400800"/>
-            <a:ext cx="4114800" cy="755651"/>
+            <a:off x="1792288" y="4800601"/>
+            <a:ext cx="5486400" cy="566738"/>
           </a:xfrm>
         </p:spPr>
         <p:txBody>
@@ -2376,8 +2376,8 @@
         </p:nvSpPr>
         <p:spPr>
           <a:xfrm>
-            <a:off x="1344216" y="817033"/>
-            <a:ext cx="4114800" cy="5486400"/>
+            <a:off x="1792288" y="612775"/>
+            <a:ext cx="5486400" cy="4114800"/>
           </a:xfrm>
         </p:spPr>
         <p:txBody>
@@ -2437,8 +2437,8 @@
         </p:nvSpPr>
         <p:spPr>
           <a:xfrm>
-            <a:off x="1344216" y="7156451"/>
-            <a:ext cx="4114800" cy="1073149"/>
+            <a:off x="1792288" y="5367339"/>
+            <a:ext cx="5486400" cy="804862"/>
           </a:xfrm>
         </p:spPr>
         <p:txBody>
@@ -2602,8 +2602,8 @@
         </p:nvSpPr>
         <p:spPr>
           <a:xfrm>
-            <a:off x="342900" y="366184"/>
-            <a:ext cx="6172200" cy="1524000"/>
+            <a:off x="457200" y="274638"/>
+            <a:ext cx="8229600" cy="1143000"/>
           </a:xfrm>
           <a:prstGeom prst="rect">
             <a:avLst/>
@@ -2635,8 +2635,8 @@
         </p:nvSpPr>
         <p:spPr>
           <a:xfrm>
-            <a:off x="342900" y="2133601"/>
-            <a:ext cx="6172200" cy="6034617"/>
+            <a:off x="457200" y="1600201"/>
+            <a:ext cx="8229600" cy="4525963"/>
           </a:xfrm>
           <a:prstGeom prst="rect">
             <a:avLst/>
@@ -2697,8 +2697,8 @@
         </p:nvSpPr>
         <p:spPr>
           <a:xfrm>
-            <a:off x="342900" y="8475134"/>
-            <a:ext cx="1600200" cy="486833"/>
+            <a:off x="457200" y="6356351"/>
+            <a:ext cx="2133600" cy="365125"/>
           </a:xfrm>
           <a:prstGeom prst="rect">
             <a:avLst/>
@@ -2738,8 +2738,8 @@
         </p:nvSpPr>
         <p:spPr>
           <a:xfrm>
-            <a:off x="2343150" y="8475134"/>
-            <a:ext cx="2171700" cy="486833"/>
+            <a:off x="3124200" y="6356351"/>
+            <a:ext cx="2895600" cy="365125"/>
           </a:xfrm>
           <a:prstGeom prst="rect">
             <a:avLst/>
@@ -2775,8 +2775,8 @@
         </p:nvSpPr>
         <p:spPr>
           <a:xfrm>
-            <a:off x="4914900" y="8475134"/>
-            <a:ext cx="1600200" cy="486833"/>
+            <a:off x="6553200" y="6356351"/>
+            <a:ext cx="2133600" cy="365125"/>
           </a:xfrm>
           <a:prstGeom prst="rect">
             <a:avLst/>
@@ -3097,14 +3097,45 @@
       </p:grpSpPr>
       <p:sp>
         <p:nvSpPr>
-          <p:cNvPr id="4" name="Rectangle 3"/>
+          <p:cNvPr id="5" name="TextBox 4"/>
+          <p:cNvSpPr txBox="1"/>
+          <p:nvPr/>
+        </p:nvSpPr>
+        <p:spPr>
+          <a:xfrm>
+            <a:off x="1" y="152400"/>
+            <a:ext cx="9143999" cy="369332"/>
+          </a:xfrm>
+          <a:prstGeom prst="rect">
+            <a:avLst/>
+          </a:prstGeom>
+          <a:noFill/>
+        </p:spPr>
+        <p:txBody>
+          <a:bodyPr wrap="square" rtlCol="0">
+            <a:spAutoFit/>
+          </a:bodyPr>
+          <a:lstStyle/>
+          <a:p>
+            <a:pPr algn="ctr"/>
+            <a:r>
+              <a:rPr lang="en-US" dirty="0" smtClean="0"/>
+              <a:t>Claim Cycle</a:t>
+            </a:r>
+            <a:endParaRPr lang="en-US" dirty="0"/>
+          </a:p>
+        </p:txBody>
+      </p:sp>
+      <p:sp>
+        <p:nvSpPr>
+          <p:cNvPr id="6" name="Rectangle 5"/>
           <p:cNvSpPr/>
           <p:nvPr/>
         </p:nvSpPr>
         <p:spPr>
           <a:xfrm>
-            <a:off x="548640" y="1371600"/>
-            <a:ext cx="1695242" cy="324074"/>
+            <a:off x="731521" y="1085850"/>
+            <a:ext cx="1783079" cy="243056"/>
           </a:xfrm>
           <a:prstGeom prst="rect">
             <a:avLst/>
@@ -3133,7 +3164,7 @@
             <a:pPr algn="ctr"/>
             <a:r>
               <a:rPr lang="en-US" sz="1000" dirty="0" smtClean="0"/>
-              <a:t>Clinic ops Create Claim</a:t>
+              <a:t>Create Claim Batch</a:t>
             </a:r>
             <a:endParaRPr lang="en-US" sz="1000" dirty="0"/>
           </a:p>
@@ -3141,45 +3172,14 @@
       </p:sp>
       <p:sp>
         <p:nvSpPr>
-          <p:cNvPr id="5" name="TextBox 4"/>
-          <p:cNvSpPr txBox="1"/>
-          <p:nvPr/>
-        </p:nvSpPr>
-        <p:spPr>
-          <a:xfrm>
-            <a:off x="0" y="203200"/>
-            <a:ext cx="6857999" cy="369332"/>
-          </a:xfrm>
-          <a:prstGeom prst="rect">
-            <a:avLst/>
-          </a:prstGeom>
-          <a:noFill/>
-        </p:spPr>
-        <p:txBody>
-          <a:bodyPr wrap="square" rtlCol="0">
-            <a:spAutoFit/>
-          </a:bodyPr>
-          <a:lstStyle/>
-          <a:p>
-            <a:pPr algn="ctr"/>
-            <a:r>
-              <a:rPr lang="en-US" dirty="0" smtClean="0"/>
-              <a:t>Claim Cycle</a:t>
-            </a:r>
-            <a:endParaRPr lang="en-US" dirty="0"/>
-          </a:p>
-        </p:txBody>
-      </p:sp>
-      <p:sp>
-        <p:nvSpPr>
-          <p:cNvPr id="6" name="Rectangle 5"/>
+          <p:cNvPr id="7" name="Rectangle 6"/>
           <p:cNvSpPr/>
           <p:nvPr/>
         </p:nvSpPr>
         <p:spPr>
           <a:xfrm>
-            <a:off x="548640" y="2590800"/>
-            <a:ext cx="1695242" cy="324074"/>
+            <a:off x="731521" y="2305050"/>
+            <a:ext cx="1783079" cy="243056"/>
           </a:xfrm>
           <a:prstGeom prst="rect">
             <a:avLst/>
@@ -3208,7 +3208,7 @@
             <a:pPr algn="ctr"/>
             <a:r>
               <a:rPr lang="en-US" sz="1000" dirty="0" smtClean="0"/>
-              <a:t>Create Claim Batch</a:t>
+              <a:t>Submit Batch to Emdeon</a:t>
             </a:r>
             <a:endParaRPr lang="en-US" sz="1000" dirty="0"/>
           </a:p>
@@ -3216,14 +3216,14 @@
       </p:sp>
       <p:sp>
         <p:nvSpPr>
-          <p:cNvPr id="7" name="Rectangle 6"/>
+          <p:cNvPr id="8" name="Rectangle 7"/>
           <p:cNvSpPr/>
           <p:nvPr/>
         </p:nvSpPr>
         <p:spPr>
           <a:xfrm>
-            <a:off x="548640" y="3962400"/>
-            <a:ext cx="1695242" cy="324074"/>
+            <a:off x="731521" y="3581400"/>
+            <a:ext cx="1783079" cy="243056"/>
           </a:xfrm>
           <a:prstGeom prst="rect">
             <a:avLst/>
@@ -3252,7 +3252,7 @@
             <a:pPr algn="ctr"/>
             <a:r>
               <a:rPr lang="en-US" sz="1000" dirty="0" smtClean="0"/>
-              <a:t>Submit Batch to Emdeon</a:t>
+              <a:t>Forward Claims to Payer</a:t>
             </a:r>
             <a:endParaRPr lang="en-US" sz="1000" dirty="0"/>
           </a:p>
@@ -3260,14 +3260,14 @@
       </p:sp>
       <p:sp>
         <p:nvSpPr>
-          <p:cNvPr id="8" name="Rectangle 7"/>
+          <p:cNvPr id="9" name="Rectangle 8"/>
           <p:cNvSpPr/>
           <p:nvPr/>
         </p:nvSpPr>
         <p:spPr>
           <a:xfrm>
-            <a:off x="548640" y="5334000"/>
-            <a:ext cx="1695242" cy="324074"/>
+            <a:off x="731521" y="4876800"/>
+            <a:ext cx="1783079" cy="243056"/>
           </a:xfrm>
           <a:prstGeom prst="rect">
             <a:avLst/>
@@ -3296,7 +3296,7 @@
             <a:pPr algn="ctr"/>
             <a:r>
               <a:rPr lang="en-US" sz="1000" dirty="0" smtClean="0"/>
-              <a:t>Forward Claims to Payer</a:t>
+              <a:t>Payer Receives Claims</a:t>
             </a:r>
             <a:endParaRPr lang="en-US" sz="1000" dirty="0"/>
           </a:p>
@@ -3304,14 +3304,14 @@
       </p:sp>
       <p:sp>
         <p:nvSpPr>
-          <p:cNvPr id="9" name="Rectangle 8"/>
+          <p:cNvPr id="10" name="Rectangle 9"/>
           <p:cNvSpPr/>
           <p:nvPr/>
         </p:nvSpPr>
         <p:spPr>
           <a:xfrm>
-            <a:off x="548640" y="6705600"/>
-            <a:ext cx="1695242" cy="324074"/>
+            <a:off x="731521" y="6057900"/>
+            <a:ext cx="1783079" cy="243056"/>
           </a:xfrm>
           <a:prstGeom prst="rect">
             <a:avLst/>
@@ -3340,7 +3340,7 @@
             <a:pPr algn="ctr"/>
             <a:r>
               <a:rPr lang="en-US" sz="1000" dirty="0" smtClean="0"/>
-              <a:t>Payer Receives Claims</a:t>
+              <a:t>Payer Adjudicates Claims</a:t>
             </a:r>
             <a:endParaRPr lang="en-US" sz="1000" dirty="0"/>
           </a:p>
@@ -3348,18 +3348,102 @@
       </p:sp>
       <p:sp>
         <p:nvSpPr>
-          <p:cNvPr id="10" name="Rectangle 9"/>
+          <p:cNvPr id="14" name="Flowchart: Decision 13"/>
           <p:cNvSpPr/>
           <p:nvPr/>
         </p:nvSpPr>
         <p:spPr>
           <a:xfrm>
-            <a:off x="548640" y="8077200"/>
-            <a:ext cx="1695242" cy="324074"/>
+            <a:off x="3692741" y="1085850"/>
+            <a:ext cx="476163" cy="245000"/>
+          </a:xfrm>
+          <a:prstGeom prst="flowChartDecision">
+            <a:avLst/>
+          </a:prstGeom>
+        </p:spPr>
+        <p:style>
+          <a:lnRef idx="2">
+            <a:schemeClr val="accent1">
+              <a:shade val="50000"/>
+            </a:schemeClr>
+          </a:lnRef>
+          <a:fillRef idx="1">
+            <a:schemeClr val="accent1"/>
+          </a:fillRef>
+          <a:effectRef idx="0">
+            <a:schemeClr val="accent1"/>
+          </a:effectRef>
+          <a:fontRef idx="minor">
+            <a:schemeClr val="lt1"/>
+          </a:fontRef>
+        </p:style>
+        <p:txBody>
+          <a:bodyPr rtlCol="0" anchor="ctr"/>
+          <a:lstStyle/>
+          <a:p>
+            <a:pPr algn="ctr"/>
+            <a:endParaRPr lang="en-US" sz="1000"/>
+          </a:p>
+        </p:txBody>
+      </p:sp>
+      <p:cxnSp>
+        <p:nvCxnSpPr>
+          <p:cNvPr id="16" name="Elbow Connector 15"/>
+          <p:cNvCxnSpPr>
+            <a:stCxn id="6" idx="3"/>
+            <a:endCxn id="14" idx="1"/>
+          </p:cNvCxnSpPr>
+          <p:nvPr/>
+        </p:nvCxnSpPr>
+        <p:spPr>
+          <a:xfrm>
+            <a:off x="2514600" y="1207378"/>
+            <a:ext cx="1178141" cy="972"/>
+          </a:xfrm>
+          <a:prstGeom prst="bentConnector3">
+            <a:avLst>
+              <a:gd name="adj1" fmla="val 50000"/>
+            </a:avLst>
+          </a:prstGeom>
+          <a:ln>
+            <a:tailEnd type="arrow"/>
+          </a:ln>
+        </p:spPr>
+        <p:style>
+          <a:lnRef idx="1">
+            <a:schemeClr val="accent1"/>
+          </a:lnRef>
+          <a:fillRef idx="0">
+            <a:schemeClr val="accent1"/>
+          </a:fillRef>
+          <a:effectRef idx="0">
+            <a:schemeClr val="accent1"/>
+          </a:effectRef>
+          <a:fontRef idx="minor">
+            <a:schemeClr val="tx1"/>
+          </a:fontRef>
+        </p:style>
+      </p:cxnSp>
+      <p:sp>
+        <p:nvSpPr>
+          <p:cNvPr id="23" name="Rectangle 22"/>
+          <p:cNvSpPr/>
+          <p:nvPr/>
+        </p:nvSpPr>
+        <p:spPr>
+          <a:xfrm>
+            <a:off x="5779856" y="914400"/>
+            <a:ext cx="1941745" cy="243056"/>
           </a:xfrm>
           <a:prstGeom prst="rect">
             <a:avLst/>
           </a:prstGeom>
+          <a:solidFill>
+            <a:schemeClr val="accent2">
+              <a:lumMod val="60000"/>
+              <a:lumOff val="40000"/>
+            </a:schemeClr>
+          </a:solidFill>
         </p:spPr>
         <p:style>
           <a:lnRef idx="2">
@@ -3384,22 +3468,94 @@
             <a:pPr algn="ctr"/>
             <a:r>
               <a:rPr lang="en-US" sz="1000" dirty="0" smtClean="0"/>
-              <a:t>Payer Adjudicates Claims</a:t>
+              <a:t>Axium Rejected Claims</a:t>
             </a:r>
             <a:endParaRPr lang="en-US" sz="1000" dirty="0"/>
           </a:p>
         </p:txBody>
       </p:sp>
-      <p:sp>
-        <p:nvSpPr>
-          <p:cNvPr id="14" name="Flowchart: Decision 13"/>
+      <p:cxnSp>
+        <p:nvCxnSpPr>
+          <p:cNvPr id="25" name="Elbow Connector 24"/>
+          <p:cNvCxnSpPr>
+            <a:stCxn id="14" idx="0"/>
+            <a:endCxn id="23" idx="1"/>
+          </p:cNvCxnSpPr>
+          <p:nvPr/>
+        </p:nvCxnSpPr>
+        <p:spPr>
+          <a:xfrm rot="5400000" flipH="1" flipV="1">
+            <a:off x="4830378" y="136373"/>
+            <a:ext cx="49922" cy="1849033"/>
+          </a:xfrm>
+          <a:prstGeom prst="bentConnector2">
+            <a:avLst/>
+          </a:prstGeom>
+          <a:ln>
+            <a:tailEnd type="arrow"/>
+          </a:ln>
+        </p:spPr>
+        <p:style>
+          <a:lnRef idx="1">
+            <a:schemeClr val="accent1"/>
+          </a:lnRef>
+          <a:fillRef idx="0">
+            <a:schemeClr val="accent1"/>
+          </a:fillRef>
+          <a:effectRef idx="0">
+            <a:schemeClr val="accent1"/>
+          </a:effectRef>
+          <a:fontRef idx="minor">
+            <a:schemeClr val="tx1"/>
+          </a:fontRef>
+        </p:style>
+      </p:cxnSp>
+      <p:cxnSp>
+        <p:nvCxnSpPr>
+          <p:cNvPr id="27" name="Elbow Connector 26"/>
+          <p:cNvCxnSpPr>
+            <a:stCxn id="14" idx="2"/>
+            <a:endCxn id="65" idx="1"/>
+          </p:cNvCxnSpPr>
+          <p:nvPr/>
+        </p:nvCxnSpPr>
+        <p:spPr>
+          <a:xfrm rot="16200000" flipH="1">
+            <a:off x="4810003" y="451669"/>
+            <a:ext cx="90672" cy="1849033"/>
+          </a:xfrm>
+          <a:prstGeom prst="bentConnector2">
+            <a:avLst/>
+          </a:prstGeom>
+          <a:ln>
+            <a:tailEnd type="arrow"/>
+          </a:ln>
+        </p:spPr>
+        <p:style>
+          <a:lnRef idx="1">
+            <a:schemeClr val="accent1"/>
+          </a:lnRef>
+          <a:fillRef idx="0">
+            <a:schemeClr val="accent1"/>
+          </a:fillRef>
+          <a:effectRef idx="0">
+            <a:schemeClr val="accent1"/>
+          </a:effectRef>
+          <a:fontRef idx="minor">
+            <a:schemeClr val="tx1"/>
+          </a:fontRef>
+        </p:style>
+      </p:cxnSp>
+      <p:sp>
+        <p:nvSpPr>
+          <p:cNvPr id="28" name="Flowchart: Decision 27"/>
           <p:cNvSpPr/>
           <p:nvPr/>
         </p:nvSpPr>
         <p:spPr>
           <a:xfrm>
-            <a:off x="2769555" y="2590800"/>
-            <a:ext cx="498537" cy="326666"/>
+            <a:off x="3703246" y="2305050"/>
+            <a:ext cx="476163" cy="245000"/>
           </a:xfrm>
           <a:prstGeom prst="flowChartDecision">
             <a:avLst/>
@@ -3432,17 +3588,17 @@
       </p:sp>
       <p:cxnSp>
         <p:nvCxnSpPr>
-          <p:cNvPr id="16" name="Elbow Connector 15"/>
+          <p:cNvPr id="30" name="Elbow Connector 29"/>
           <p:cNvCxnSpPr>
-            <a:stCxn id="6" idx="3"/>
-            <a:endCxn id="14" idx="1"/>
+            <a:stCxn id="7" idx="3"/>
+            <a:endCxn id="28" idx="1"/>
           </p:cNvCxnSpPr>
           <p:nvPr/>
         </p:nvCxnSpPr>
         <p:spPr>
           <a:xfrm>
-            <a:off x="2243882" y="2752837"/>
-            <a:ext cx="525673" cy="1296"/>
+            <a:off x="2514600" y="2426578"/>
+            <a:ext cx="1188646" cy="972"/>
           </a:xfrm>
           <a:prstGeom prst="bentConnector3">
             <a:avLst>
@@ -3470,14 +3626,14 @@
       </p:cxnSp>
       <p:sp>
         <p:nvSpPr>
-          <p:cNvPr id="23" name="Rectangle 22"/>
+          <p:cNvPr id="31" name="Rectangle 30"/>
           <p:cNvSpPr/>
           <p:nvPr/>
         </p:nvSpPr>
         <p:spPr>
           <a:xfrm>
-            <a:off x="4411092" y="2362200"/>
-            <a:ext cx="1837308" cy="324074"/>
+            <a:off x="5779856" y="2133600"/>
+            <a:ext cx="1941745" cy="243056"/>
           </a:xfrm>
           <a:prstGeom prst="rect">
             <a:avLst/>
@@ -3512,7 +3668,7 @@
             <a:pPr algn="ctr"/>
             <a:r>
               <a:rPr lang="en-US" sz="1000" dirty="0" smtClean="0"/>
-              <a:t>Axium Rejected Claims</a:t>
+              <a:t>Emdeon Rejected Batches</a:t>
             </a:r>
             <a:endParaRPr lang="en-US" sz="1000" dirty="0"/>
           </a:p>
@@ -3520,19 +3676,19 @@
       </p:sp>
       <p:cxnSp>
         <p:nvCxnSpPr>
-          <p:cNvPr id="25" name="Elbow Connector 24"/>
+          <p:cNvPr id="33" name="Elbow Connector 32"/>
           <p:cNvCxnSpPr>
-            <a:stCxn id="14" idx="3"/>
-            <a:endCxn id="23" idx="1"/>
+            <a:stCxn id="28" idx="0"/>
+            <a:endCxn id="31" idx="1"/>
           </p:cNvCxnSpPr>
           <p:nvPr/>
         </p:nvCxnSpPr>
         <p:spPr>
-          <a:xfrm flipV="1">
-            <a:off x="3268092" y="2524237"/>
-            <a:ext cx="1143000" cy="229896"/>
-          </a:xfrm>
-          <a:prstGeom prst="bentConnector3">
+          <a:xfrm rot="5400000" flipH="1" flipV="1">
+            <a:off x="4835631" y="1360825"/>
+            <a:ext cx="49922" cy="1838528"/>
+          </a:xfrm>
+          <a:prstGeom prst="bentConnector2">
             <a:avLst/>
           </a:prstGeom>
           <a:ln>
@@ -3556,17 +3712,93 @@
       </p:cxnSp>
       <p:cxnSp>
         <p:nvCxnSpPr>
-          <p:cNvPr id="27" name="Elbow Connector 26"/>
+          <p:cNvPr id="35" name="Elbow Connector 34"/>
           <p:cNvCxnSpPr>
-            <a:stCxn id="14" idx="3"/>
-            <a:endCxn id="65" idx="1"/>
+            <a:stCxn id="28" idx="2"/>
+            <a:endCxn id="66" idx="1"/>
           </p:cNvCxnSpPr>
           <p:nvPr/>
         </p:nvCxnSpPr>
         <p:spPr>
+          <a:xfrm rot="16200000" flipH="1">
+            <a:off x="4810817" y="1680560"/>
+            <a:ext cx="90672" cy="1829651"/>
+          </a:xfrm>
+          <a:prstGeom prst="bentConnector2">
+            <a:avLst/>
+          </a:prstGeom>
+          <a:ln>
+            <a:tailEnd type="arrow"/>
+          </a:ln>
+        </p:spPr>
+        <p:style>
+          <a:lnRef idx="1">
+            <a:schemeClr val="accent1"/>
+          </a:lnRef>
+          <a:fillRef idx="0">
+            <a:schemeClr val="accent1"/>
+          </a:fillRef>
+          <a:effectRef idx="0">
+            <a:schemeClr val="accent1"/>
+          </a:effectRef>
+          <a:fontRef idx="minor">
+            <a:schemeClr val="tx1"/>
+          </a:fontRef>
+        </p:style>
+      </p:cxnSp>
+      <p:sp>
+        <p:nvSpPr>
+          <p:cNvPr id="36" name="Flowchart: Decision 35"/>
+          <p:cNvSpPr/>
+          <p:nvPr/>
+        </p:nvSpPr>
+        <p:spPr>
           <a:xfrm>
-            <a:off x="3268092" y="2754133"/>
-            <a:ext cx="1143000" cy="284230"/>
+            <a:off x="3638637" y="3581400"/>
+            <a:ext cx="476163" cy="245000"/>
+          </a:xfrm>
+          <a:prstGeom prst="flowChartDecision">
+            <a:avLst/>
+          </a:prstGeom>
+        </p:spPr>
+        <p:style>
+          <a:lnRef idx="2">
+            <a:schemeClr val="accent1">
+              <a:shade val="50000"/>
+            </a:schemeClr>
+          </a:lnRef>
+          <a:fillRef idx="1">
+            <a:schemeClr val="accent1"/>
+          </a:fillRef>
+          <a:effectRef idx="0">
+            <a:schemeClr val="accent1"/>
+          </a:effectRef>
+          <a:fontRef idx="minor">
+            <a:schemeClr val="lt1"/>
+          </a:fontRef>
+        </p:style>
+        <p:txBody>
+          <a:bodyPr rtlCol="0" anchor="ctr"/>
+          <a:lstStyle/>
+          <a:p>
+            <a:pPr algn="ctr"/>
+            <a:endParaRPr lang="en-US" sz="1000"/>
+          </a:p>
+        </p:txBody>
+      </p:sp>
+      <p:cxnSp>
+        <p:nvCxnSpPr>
+          <p:cNvPr id="38" name="Elbow Connector 37"/>
+          <p:cNvCxnSpPr>
+            <a:stCxn id="8" idx="3"/>
+            <a:endCxn id="36" idx="1"/>
+          </p:cNvCxnSpPr>
+          <p:nvPr/>
+        </p:nvCxnSpPr>
+        <p:spPr>
+          <a:xfrm>
+            <a:off x="2514600" y="3702928"/>
+            <a:ext cx="1124037" cy="972"/>
           </a:xfrm>
           <a:prstGeom prst="bentConnector3">
             <a:avLst>
@@ -3594,92 +3826,14 @@
       </p:cxnSp>
       <p:sp>
         <p:nvSpPr>
-          <p:cNvPr id="28" name="Flowchart: Decision 27"/>
+          <p:cNvPr id="39" name="Rectangle 38"/>
           <p:cNvSpPr/>
           <p:nvPr/>
         </p:nvSpPr>
         <p:spPr>
           <a:xfrm>
-            <a:off x="2777434" y="3962400"/>
-            <a:ext cx="498537" cy="326666"/>
-          </a:xfrm>
-          <a:prstGeom prst="flowChartDecision">
-            <a:avLst/>
-          </a:prstGeom>
-        </p:spPr>
-        <p:style>
-          <a:lnRef idx="2">
-            <a:schemeClr val="accent1">
-              <a:shade val="50000"/>
-            </a:schemeClr>
-          </a:lnRef>
-          <a:fillRef idx="1">
-            <a:schemeClr val="accent1"/>
-          </a:fillRef>
-          <a:effectRef idx="0">
-            <a:schemeClr val="accent1"/>
-          </a:effectRef>
-          <a:fontRef idx="minor">
-            <a:schemeClr val="lt1"/>
-          </a:fontRef>
-        </p:style>
-        <p:txBody>
-          <a:bodyPr rtlCol="0" anchor="ctr"/>
-          <a:lstStyle/>
-          <a:p>
-            <a:pPr algn="ctr"/>
-            <a:endParaRPr lang="en-US" sz="1000"/>
-          </a:p>
-        </p:txBody>
-      </p:sp>
-      <p:cxnSp>
-        <p:nvCxnSpPr>
-          <p:cNvPr id="30" name="Elbow Connector 29"/>
-          <p:cNvCxnSpPr>
-            <a:stCxn id="7" idx="3"/>
-            <a:endCxn id="28" idx="1"/>
-          </p:cNvCxnSpPr>
-          <p:nvPr/>
-        </p:nvCxnSpPr>
-        <p:spPr>
-          <a:xfrm>
-            <a:off x="2243882" y="4124437"/>
-            <a:ext cx="533552" cy="1296"/>
-          </a:xfrm>
-          <a:prstGeom prst="bentConnector3">
-            <a:avLst>
-              <a:gd name="adj1" fmla="val 50000"/>
-            </a:avLst>
-          </a:prstGeom>
-          <a:ln>
-            <a:tailEnd type="arrow"/>
-          </a:ln>
-        </p:spPr>
-        <p:style>
-          <a:lnRef idx="1">
-            <a:schemeClr val="accent1"/>
-          </a:lnRef>
-          <a:fillRef idx="0">
-            <a:schemeClr val="accent1"/>
-          </a:fillRef>
-          <a:effectRef idx="0">
-            <a:schemeClr val="accent1"/>
-          </a:effectRef>
-          <a:fontRef idx="minor">
-            <a:schemeClr val="tx1"/>
-          </a:fontRef>
-        </p:style>
-      </p:cxnSp>
-      <p:sp>
-        <p:nvSpPr>
-          <p:cNvPr id="31" name="Rectangle 30"/>
-          <p:cNvSpPr/>
-          <p:nvPr/>
-        </p:nvSpPr>
-        <p:spPr>
-          <a:xfrm>
-            <a:off x="4411092" y="3733800"/>
-            <a:ext cx="1837308" cy="324074"/>
+            <a:off x="5779856" y="3409950"/>
+            <a:ext cx="1941745" cy="243056"/>
           </a:xfrm>
           <a:prstGeom prst="rect">
             <a:avLst/>
@@ -3714,7 +3868,7 @@
             <a:pPr algn="ctr"/>
             <a:r>
               <a:rPr lang="en-US" sz="1000" dirty="0" smtClean="0"/>
-              <a:t>Emdeon Rejected Batches</a:t>
+              <a:t>Emdeon Rejected Claims</a:t>
             </a:r>
             <a:endParaRPr lang="en-US" sz="1000" dirty="0"/>
           </a:p>
@@ -3722,19 +3876,19 @@
       </p:sp>
       <p:cxnSp>
         <p:nvCxnSpPr>
-          <p:cNvPr id="33" name="Elbow Connector 32"/>
+          <p:cNvPr id="41" name="Elbow Connector 40"/>
           <p:cNvCxnSpPr>
-            <a:stCxn id="28" idx="3"/>
-            <a:endCxn id="31" idx="1"/>
+            <a:stCxn id="36" idx="0"/>
+            <a:endCxn id="39" idx="1"/>
           </p:cNvCxnSpPr>
           <p:nvPr/>
         </p:nvCxnSpPr>
         <p:spPr>
-          <a:xfrm flipV="1">
-            <a:off x="3275971" y="3895837"/>
-            <a:ext cx="1135121" cy="229896"/>
-          </a:xfrm>
-          <a:prstGeom prst="bentConnector3">
+          <a:xfrm rot="5400000" flipH="1" flipV="1">
+            <a:off x="4803326" y="2604871"/>
+            <a:ext cx="49922" cy="1903137"/>
+          </a:xfrm>
+          <a:prstGeom prst="bentConnector2">
             <a:avLst/>
           </a:prstGeom>
           <a:ln>
@@ -3758,17 +3912,93 @@
       </p:cxnSp>
       <p:cxnSp>
         <p:nvCxnSpPr>
-          <p:cNvPr id="35" name="Elbow Connector 34"/>
+          <p:cNvPr id="43" name="Elbow Connector 42"/>
           <p:cNvCxnSpPr>
-            <a:stCxn id="28" idx="3"/>
-            <a:endCxn id="66" idx="1"/>
+            <a:stCxn id="36" idx="2"/>
+            <a:endCxn id="67" idx="1"/>
           </p:cNvCxnSpPr>
           <p:nvPr/>
         </p:nvCxnSpPr>
         <p:spPr>
+          <a:xfrm rot="16200000" flipH="1">
+            <a:off x="4782951" y="2920167"/>
+            <a:ext cx="90672" cy="1903137"/>
+          </a:xfrm>
+          <a:prstGeom prst="bentConnector2">
+            <a:avLst/>
+          </a:prstGeom>
+          <a:ln>
+            <a:tailEnd type="arrow"/>
+          </a:ln>
+        </p:spPr>
+        <p:style>
+          <a:lnRef idx="1">
+            <a:schemeClr val="accent1"/>
+          </a:lnRef>
+          <a:fillRef idx="0">
+            <a:schemeClr val="accent1"/>
+          </a:fillRef>
+          <a:effectRef idx="0">
+            <a:schemeClr val="accent1"/>
+          </a:effectRef>
+          <a:fontRef idx="minor">
+            <a:schemeClr val="tx1"/>
+          </a:fontRef>
+        </p:style>
+      </p:cxnSp>
+      <p:sp>
+        <p:nvSpPr>
+          <p:cNvPr id="44" name="Flowchart: Decision 43"/>
+          <p:cNvSpPr/>
+          <p:nvPr/>
+        </p:nvSpPr>
+        <p:spPr>
           <a:xfrm>
-            <a:off x="3275971" y="4125733"/>
-            <a:ext cx="1128463" cy="284230"/>
+            <a:off x="3673775" y="4876800"/>
+            <a:ext cx="476163" cy="245000"/>
+          </a:xfrm>
+          <a:prstGeom prst="flowChartDecision">
+            <a:avLst/>
+          </a:prstGeom>
+        </p:spPr>
+        <p:style>
+          <a:lnRef idx="2">
+            <a:schemeClr val="accent1">
+              <a:shade val="50000"/>
+            </a:schemeClr>
+          </a:lnRef>
+          <a:fillRef idx="1">
+            <a:schemeClr val="accent1"/>
+          </a:fillRef>
+          <a:effectRef idx="0">
+            <a:schemeClr val="accent1"/>
+          </a:effectRef>
+          <a:fontRef idx="minor">
+            <a:schemeClr val="lt1"/>
+          </a:fontRef>
+        </p:style>
+        <p:txBody>
+          <a:bodyPr rtlCol="0" anchor="ctr"/>
+          <a:lstStyle/>
+          <a:p>
+            <a:pPr algn="ctr"/>
+            <a:endParaRPr lang="en-US" sz="1000"/>
+          </a:p>
+        </p:txBody>
+      </p:sp>
+      <p:cxnSp>
+        <p:nvCxnSpPr>
+          <p:cNvPr id="46" name="Elbow Connector 45"/>
+          <p:cNvCxnSpPr>
+            <a:stCxn id="9" idx="3"/>
+            <a:endCxn id="44" idx="1"/>
+          </p:cNvCxnSpPr>
+          <p:nvPr/>
+        </p:nvCxnSpPr>
+        <p:spPr>
+          <a:xfrm>
+            <a:off x="2514600" y="4998328"/>
+            <a:ext cx="1159175" cy="972"/>
           </a:xfrm>
           <a:prstGeom prst="bentConnector3">
             <a:avLst>
@@ -3796,92 +4026,14 @@
       </p:cxnSp>
       <p:sp>
         <p:nvSpPr>
-          <p:cNvPr id="36" name="Flowchart: Decision 35"/>
+          <p:cNvPr id="47" name="Rectangle 46"/>
           <p:cNvSpPr/>
           <p:nvPr/>
         </p:nvSpPr>
         <p:spPr>
           <a:xfrm>
-            <a:off x="2728977" y="5334000"/>
-            <a:ext cx="498537" cy="326666"/>
-          </a:xfrm>
-          <a:prstGeom prst="flowChartDecision">
-            <a:avLst/>
-          </a:prstGeom>
-        </p:spPr>
-        <p:style>
-          <a:lnRef idx="2">
-            <a:schemeClr val="accent1">
-              <a:shade val="50000"/>
-            </a:schemeClr>
-          </a:lnRef>
-          <a:fillRef idx="1">
-            <a:schemeClr val="accent1"/>
-          </a:fillRef>
-          <a:effectRef idx="0">
-            <a:schemeClr val="accent1"/>
-          </a:effectRef>
-          <a:fontRef idx="minor">
-            <a:schemeClr val="lt1"/>
-          </a:fontRef>
-        </p:style>
-        <p:txBody>
-          <a:bodyPr rtlCol="0" anchor="ctr"/>
-          <a:lstStyle/>
-          <a:p>
-            <a:pPr algn="ctr"/>
-            <a:endParaRPr lang="en-US" sz="1000"/>
-          </a:p>
-        </p:txBody>
-      </p:sp>
-      <p:cxnSp>
-        <p:nvCxnSpPr>
-          <p:cNvPr id="38" name="Elbow Connector 37"/>
-          <p:cNvCxnSpPr>
-            <a:stCxn id="8" idx="3"/>
-            <a:endCxn id="36" idx="1"/>
-          </p:cNvCxnSpPr>
-          <p:nvPr/>
-        </p:nvCxnSpPr>
-        <p:spPr>
-          <a:xfrm>
-            <a:off x="2243882" y="5496037"/>
-            <a:ext cx="485095" cy="1296"/>
-          </a:xfrm>
-          <a:prstGeom prst="bentConnector3">
-            <a:avLst>
-              <a:gd name="adj1" fmla="val 50000"/>
-            </a:avLst>
-          </a:prstGeom>
-          <a:ln>
-            <a:tailEnd type="arrow"/>
-          </a:ln>
-        </p:spPr>
-        <p:style>
-          <a:lnRef idx="1">
-            <a:schemeClr val="accent1"/>
-          </a:lnRef>
-          <a:fillRef idx="0">
-            <a:schemeClr val="accent1"/>
-          </a:fillRef>
-          <a:effectRef idx="0">
-            <a:schemeClr val="accent1"/>
-          </a:effectRef>
-          <a:fontRef idx="minor">
-            <a:schemeClr val="tx1"/>
-          </a:fontRef>
-        </p:style>
-      </p:cxnSp>
-      <p:sp>
-        <p:nvSpPr>
-          <p:cNvPr id="39" name="Rectangle 38"/>
-          <p:cNvSpPr/>
-          <p:nvPr/>
-        </p:nvSpPr>
-        <p:spPr>
-          <a:xfrm>
-            <a:off x="4334892" y="5105400"/>
-            <a:ext cx="1837308" cy="324074"/>
+            <a:off x="5779856" y="4705350"/>
+            <a:ext cx="1941745" cy="243056"/>
           </a:xfrm>
           <a:prstGeom prst="rect">
             <a:avLst/>
@@ -3916,7 +4068,7 @@
             <a:pPr algn="ctr"/>
             <a:r>
               <a:rPr lang="en-US" sz="1000" dirty="0" smtClean="0"/>
-              <a:t>Emdeon Rejected Claims</a:t>
+              <a:t>Payer Rejected Claims</a:t>
             </a:r>
             <a:endParaRPr lang="en-US" sz="1000" dirty="0"/>
           </a:p>
@@ -3924,19 +4076,19 @@
       </p:sp>
       <p:cxnSp>
         <p:nvCxnSpPr>
-          <p:cNvPr id="41" name="Elbow Connector 40"/>
+          <p:cNvPr id="49" name="Elbow Connector 48"/>
           <p:cNvCxnSpPr>
-            <a:stCxn id="36" idx="3"/>
-            <a:endCxn id="39" idx="1"/>
+            <a:stCxn id="44" idx="0"/>
+            <a:endCxn id="47" idx="1"/>
           </p:cNvCxnSpPr>
           <p:nvPr/>
         </p:nvCxnSpPr>
         <p:spPr>
-          <a:xfrm flipV="1">
-            <a:off x="3227514" y="5267437"/>
-            <a:ext cx="1107378" cy="229896"/>
-          </a:xfrm>
-          <a:prstGeom prst="bentConnector3">
+          <a:xfrm rot="5400000" flipH="1" flipV="1">
+            <a:off x="4820895" y="3917840"/>
+            <a:ext cx="49922" cy="1867999"/>
+          </a:xfrm>
+          <a:prstGeom prst="bentConnector2">
             <a:avLst/>
           </a:prstGeom>
           <a:ln>
@@ -3960,22 +4112,20 @@
       </p:cxnSp>
       <p:cxnSp>
         <p:nvCxnSpPr>
-          <p:cNvPr id="43" name="Elbow Connector 42"/>
+          <p:cNvPr id="51" name="Elbow Connector 50"/>
           <p:cNvCxnSpPr>
-            <a:stCxn id="36" idx="3"/>
-            <a:endCxn id="67" idx="1"/>
+            <a:stCxn id="44" idx="2"/>
+            <a:endCxn id="68" idx="1"/>
           </p:cNvCxnSpPr>
           <p:nvPr/>
         </p:nvCxnSpPr>
         <p:spPr>
-          <a:xfrm>
-            <a:off x="3227514" y="5497333"/>
-            <a:ext cx="1107378" cy="284230"/>
-          </a:xfrm>
-          <a:prstGeom prst="bentConnector3">
-            <a:avLst>
-              <a:gd name="adj1" fmla="val 50000"/>
-            </a:avLst>
+          <a:xfrm rot="16200000" flipH="1">
+            <a:off x="4800520" y="4233136"/>
+            <a:ext cx="90672" cy="1867999"/>
+          </a:xfrm>
+          <a:prstGeom prst="bentConnector2">
+            <a:avLst/>
           </a:prstGeom>
           <a:ln>
             <a:tailEnd type="arrow"/>
@@ -3998,102 +4148,18 @@
       </p:cxnSp>
       <p:sp>
         <p:nvSpPr>
-          <p:cNvPr id="44" name="Flowchart: Decision 43"/>
+          <p:cNvPr id="52" name="Rectangle 51"/>
           <p:cNvSpPr/>
           <p:nvPr/>
         </p:nvSpPr>
         <p:spPr>
           <a:xfrm>
-            <a:off x="2755331" y="6705600"/>
-            <a:ext cx="498537" cy="326666"/>
-          </a:xfrm>
-          <a:prstGeom prst="flowChartDecision">
-            <a:avLst/>
-          </a:prstGeom>
-        </p:spPr>
-        <p:style>
-          <a:lnRef idx="2">
-            <a:schemeClr val="accent1">
-              <a:shade val="50000"/>
-            </a:schemeClr>
-          </a:lnRef>
-          <a:fillRef idx="1">
-            <a:schemeClr val="accent1"/>
-          </a:fillRef>
-          <a:effectRef idx="0">
-            <a:schemeClr val="accent1"/>
-          </a:effectRef>
-          <a:fontRef idx="minor">
-            <a:schemeClr val="lt1"/>
-          </a:fontRef>
-        </p:style>
-        <p:txBody>
-          <a:bodyPr rtlCol="0" anchor="ctr"/>
-          <a:lstStyle/>
-          <a:p>
-            <a:pPr algn="ctr"/>
-            <a:endParaRPr lang="en-US" sz="1000"/>
-          </a:p>
-        </p:txBody>
-      </p:sp>
-      <p:cxnSp>
-        <p:nvCxnSpPr>
-          <p:cNvPr id="46" name="Elbow Connector 45"/>
-          <p:cNvCxnSpPr>
-            <a:stCxn id="9" idx="3"/>
-            <a:endCxn id="44" idx="1"/>
-          </p:cNvCxnSpPr>
-          <p:nvPr/>
-        </p:nvCxnSpPr>
-        <p:spPr>
-          <a:xfrm>
-            <a:off x="2243882" y="6867637"/>
-            <a:ext cx="511449" cy="1296"/>
-          </a:xfrm>
-          <a:prstGeom prst="bentConnector3">
-            <a:avLst>
-              <a:gd name="adj1" fmla="val 50000"/>
-            </a:avLst>
-          </a:prstGeom>
-          <a:ln>
-            <a:tailEnd type="arrow"/>
-          </a:ln>
-        </p:spPr>
-        <p:style>
-          <a:lnRef idx="1">
-            <a:schemeClr val="accent1"/>
-          </a:lnRef>
-          <a:fillRef idx="0">
-            <a:schemeClr val="accent1"/>
-          </a:fillRef>
-          <a:effectRef idx="0">
-            <a:schemeClr val="accent1"/>
-          </a:effectRef>
-          <a:fontRef idx="minor">
-            <a:schemeClr val="tx1"/>
-          </a:fontRef>
-        </p:style>
-      </p:cxnSp>
-      <p:sp>
-        <p:nvSpPr>
-          <p:cNvPr id="47" name="Rectangle 46"/>
-          <p:cNvSpPr/>
-          <p:nvPr/>
-        </p:nvSpPr>
-        <p:spPr>
-          <a:xfrm>
-            <a:off x="4334892" y="6477000"/>
-            <a:ext cx="1837308" cy="324074"/>
+            <a:off x="5584301" y="6057900"/>
+            <a:ext cx="2137300" cy="243056"/>
           </a:xfrm>
           <a:prstGeom prst="rect">
             <a:avLst/>
           </a:prstGeom>
-          <a:solidFill>
-            <a:schemeClr val="accent2">
-              <a:lumMod val="60000"/>
-              <a:lumOff val="40000"/>
-            </a:schemeClr>
-          </a:solidFill>
         </p:spPr>
         <p:style>
           <a:lnRef idx="2">
@@ -4118,100 +4184,29 @@
             <a:pPr algn="ctr"/>
             <a:r>
               <a:rPr lang="en-US" sz="1000" dirty="0" smtClean="0"/>
-              <a:t>Payer Rejected Claims</a:t>
+              <a:t>EOB</a:t>
             </a:r>
             <a:endParaRPr lang="en-US" sz="1000" dirty="0"/>
           </a:p>
         </p:txBody>
       </p:sp>
-      <p:cxnSp>
-        <p:nvCxnSpPr>
-          <p:cNvPr id="49" name="Elbow Connector 48"/>
-          <p:cNvCxnSpPr>
-            <a:stCxn id="44" idx="3"/>
-            <a:endCxn id="47" idx="1"/>
-          </p:cNvCxnSpPr>
-          <p:nvPr/>
-        </p:nvCxnSpPr>
-        <p:spPr>
-          <a:xfrm flipV="1">
-            <a:off x="3253868" y="6639037"/>
-            <a:ext cx="1081024" cy="229896"/>
-          </a:xfrm>
-          <a:prstGeom prst="bentConnector3">
-            <a:avLst/>
-          </a:prstGeom>
-          <a:ln>
-            <a:tailEnd type="arrow"/>
-          </a:ln>
-        </p:spPr>
-        <p:style>
-          <a:lnRef idx="1">
-            <a:schemeClr val="accent1"/>
-          </a:lnRef>
-          <a:fillRef idx="0">
-            <a:schemeClr val="accent1"/>
-          </a:fillRef>
-          <a:effectRef idx="0">
-            <a:schemeClr val="accent1"/>
-          </a:effectRef>
-          <a:fontRef idx="minor">
-            <a:schemeClr val="tx1"/>
-          </a:fontRef>
-        </p:style>
-      </p:cxnSp>
-      <p:cxnSp>
-        <p:nvCxnSpPr>
-          <p:cNvPr id="51" name="Elbow Connector 50"/>
-          <p:cNvCxnSpPr>
-            <a:stCxn id="44" idx="3"/>
-            <a:endCxn id="68" idx="1"/>
-          </p:cNvCxnSpPr>
-          <p:nvPr/>
-        </p:nvCxnSpPr>
-        <p:spPr>
-          <a:xfrm>
-            <a:off x="3253868" y="6868933"/>
-            <a:ext cx="1081024" cy="284230"/>
-          </a:xfrm>
-          <a:prstGeom prst="bentConnector3">
-            <a:avLst>
-              <a:gd name="adj1" fmla="val 50000"/>
-            </a:avLst>
-          </a:prstGeom>
-          <a:ln>
-            <a:tailEnd type="arrow"/>
-          </a:ln>
-        </p:spPr>
-        <p:style>
-          <a:lnRef idx="1">
-            <a:schemeClr val="accent1"/>
-          </a:lnRef>
-          <a:fillRef idx="0">
-            <a:schemeClr val="accent1"/>
-          </a:fillRef>
-          <a:effectRef idx="0">
-            <a:schemeClr val="accent1"/>
-          </a:effectRef>
-          <a:fontRef idx="minor">
-            <a:schemeClr val="tx1"/>
-          </a:fontRef>
-        </p:style>
-      </p:cxnSp>
-      <p:sp>
-        <p:nvSpPr>
-          <p:cNvPr id="52" name="Rectangle 51"/>
+      <p:sp>
+        <p:nvSpPr>
+          <p:cNvPr id="65" name="Rectangle 64"/>
           <p:cNvSpPr/>
           <p:nvPr/>
         </p:nvSpPr>
         <p:spPr>
           <a:xfrm>
-            <a:off x="4188225" y="8077200"/>
-            <a:ext cx="1602975" cy="324074"/>
+            <a:off x="5779856" y="1299994"/>
+            <a:ext cx="1941745" cy="243056"/>
           </a:xfrm>
           <a:prstGeom prst="rect">
             <a:avLst/>
           </a:prstGeom>
+          <a:solidFill>
+            <a:schemeClr val="accent5"/>
+          </a:solidFill>
         </p:spPr>
         <p:style>
           <a:lnRef idx="2">
@@ -4236,7 +4231,7 @@
             <a:pPr algn="ctr"/>
             <a:r>
               <a:rPr lang="en-US" sz="1000" dirty="0" smtClean="0"/>
-              <a:t>EOB</a:t>
+              <a:t>Axium Accepted Claims</a:t>
             </a:r>
             <a:endParaRPr lang="en-US" sz="1000" dirty="0"/>
           </a:p>
@@ -4244,14 +4239,14 @@
       </p:sp>
       <p:sp>
         <p:nvSpPr>
-          <p:cNvPr id="65" name="Rectangle 64"/>
+          <p:cNvPr id="66" name="Rectangle 65"/>
           <p:cNvSpPr/>
           <p:nvPr/>
         </p:nvSpPr>
         <p:spPr>
           <a:xfrm>
-            <a:off x="4411092" y="2876326"/>
-            <a:ext cx="1837308" cy="324074"/>
+            <a:off x="5770979" y="2519194"/>
+            <a:ext cx="1941745" cy="243056"/>
           </a:xfrm>
           <a:prstGeom prst="rect">
             <a:avLst/>
@@ -4283,7 +4278,7 @@
             <a:pPr algn="ctr"/>
             <a:r>
               <a:rPr lang="en-US" sz="1000" dirty="0" smtClean="0"/>
-              <a:t>Axium Accepted Claims</a:t>
+              <a:t>Emdeon Accepted Batches</a:t>
             </a:r>
             <a:endParaRPr lang="en-US" sz="1000" dirty="0"/>
           </a:p>
@@ -4291,14 +4286,14 @@
       </p:sp>
       <p:sp>
         <p:nvSpPr>
-          <p:cNvPr id="66" name="Rectangle 65"/>
+          <p:cNvPr id="67" name="Rectangle 66"/>
           <p:cNvSpPr/>
           <p:nvPr/>
         </p:nvSpPr>
         <p:spPr>
           <a:xfrm>
-            <a:off x="4404434" y="4247926"/>
-            <a:ext cx="1837308" cy="324074"/>
+            <a:off x="5779856" y="3795544"/>
+            <a:ext cx="1941745" cy="243056"/>
           </a:xfrm>
           <a:prstGeom prst="rect">
             <a:avLst/>
@@ -4330,7 +4325,7 @@
             <a:pPr algn="ctr"/>
             <a:r>
               <a:rPr lang="en-US" sz="1000" dirty="0" smtClean="0"/>
-              <a:t>Emdeon Accepted Batches</a:t>
+              <a:t>Emdeon Forwarded Claims</a:t>
             </a:r>
             <a:endParaRPr lang="en-US" sz="1000" dirty="0"/>
           </a:p>
@@ -4338,14 +4333,14 @@
       </p:sp>
       <p:sp>
         <p:nvSpPr>
-          <p:cNvPr id="67" name="Rectangle 66"/>
+          <p:cNvPr id="68" name="Rectangle 67"/>
           <p:cNvSpPr/>
           <p:nvPr/>
         </p:nvSpPr>
         <p:spPr>
           <a:xfrm>
-            <a:off x="4334892" y="5619526"/>
-            <a:ext cx="1837308" cy="324074"/>
+            <a:off x="5779856" y="5090944"/>
+            <a:ext cx="1941745" cy="243056"/>
           </a:xfrm>
           <a:prstGeom prst="rect">
             <a:avLst/>
@@ -4377,53 +4372,6 @@
             <a:pPr algn="ctr"/>
             <a:r>
               <a:rPr lang="en-US" sz="1000" dirty="0" smtClean="0"/>
-              <a:t>Emdeon Forwarded Claims</a:t>
-            </a:r>
-            <a:endParaRPr lang="en-US" sz="1000" dirty="0"/>
-          </a:p>
-        </p:txBody>
-      </p:sp>
-      <p:sp>
-        <p:nvSpPr>
-          <p:cNvPr id="68" name="Rectangle 67"/>
-          <p:cNvSpPr/>
-          <p:nvPr/>
-        </p:nvSpPr>
-        <p:spPr>
-          <a:xfrm>
-            <a:off x="4334892" y="6991126"/>
-            <a:ext cx="1837308" cy="324074"/>
-          </a:xfrm>
-          <a:prstGeom prst="rect">
-            <a:avLst/>
-          </a:prstGeom>
-          <a:solidFill>
-            <a:schemeClr val="accent5"/>
-          </a:solidFill>
-        </p:spPr>
-        <p:style>
-          <a:lnRef idx="2">
-            <a:schemeClr val="accent5">
-              <a:shade val="50000"/>
-            </a:schemeClr>
-          </a:lnRef>
-          <a:fillRef idx="1">
-            <a:schemeClr val="accent5"/>
-          </a:fillRef>
-          <a:effectRef idx="0">
-            <a:schemeClr val="accent5"/>
-          </a:effectRef>
-          <a:fontRef idx="minor">
-            <a:schemeClr val="lt1"/>
-          </a:fontRef>
-        </p:style>
-        <p:txBody>
-          <a:bodyPr rtlCol="0" anchor="ctr"/>
-          <a:lstStyle/>
-          <a:p>
-            <a:pPr algn="ctr"/>
-            <a:r>
-              <a:rPr lang="en-US" sz="1000" dirty="0" smtClean="0"/>
               <a:t>Payer Accepted Claims</a:t>
             </a:r>
             <a:endParaRPr lang="en-US" sz="1000" dirty="0"/>
@@ -4441,8 +4389,8 @@
         </p:nvCxnSpPr>
         <p:spPr>
           <a:xfrm>
-            <a:off x="2243882" y="8239237"/>
-            <a:ext cx="1944343" cy="0"/>
+            <a:off x="2514600" y="6179428"/>
+            <a:ext cx="3069701" cy="0"/>
           </a:xfrm>
           <a:prstGeom prst="straightConnector1">
             <a:avLst/>
@@ -4477,8 +4425,8 @@
         </p:nvCxnSpPr>
         <p:spPr>
           <a:xfrm rot="5400000">
-            <a:off x="2982004" y="1614658"/>
-            <a:ext cx="762000" cy="3933485"/>
+            <a:off x="3805895" y="-639784"/>
+            <a:ext cx="762000" cy="5127668"/>
           </a:xfrm>
           <a:prstGeom prst="bentConnector3">
             <a:avLst/>
@@ -4513,8 +4461,8 @@
         </p:nvCxnSpPr>
         <p:spPr>
           <a:xfrm rot="5400000">
-            <a:off x="2978675" y="2989587"/>
-            <a:ext cx="762000" cy="3926827"/>
+            <a:off x="3772882" y="612430"/>
+            <a:ext cx="819150" cy="5118791"/>
           </a:xfrm>
           <a:prstGeom prst="bentConnector3">
             <a:avLst/>
@@ -4549,8 +4497,8 @@
         </p:nvCxnSpPr>
         <p:spPr>
           <a:xfrm rot="5400000">
-            <a:off x="2943904" y="4395958"/>
-            <a:ext cx="762000" cy="3857285"/>
+            <a:off x="3767795" y="1893866"/>
+            <a:ext cx="838200" cy="5127668"/>
           </a:xfrm>
           <a:prstGeom prst="bentConnector3">
             <a:avLst/>
@@ -4585,46 +4533,10 @@
         </p:nvCxnSpPr>
         <p:spPr>
           <a:xfrm rot="5400000">
-            <a:off x="2943904" y="5767558"/>
-            <a:ext cx="762000" cy="3857285"/>
+            <a:off x="3824945" y="3132116"/>
+            <a:ext cx="723900" cy="5127668"/>
           </a:xfrm>
           <a:prstGeom prst="bentConnector3">
-            <a:avLst/>
-          </a:prstGeom>
-          <a:ln>
-            <a:tailEnd type="arrow"/>
-          </a:ln>
-        </p:spPr>
-        <p:style>
-          <a:lnRef idx="1">
-            <a:schemeClr val="accent1"/>
-          </a:lnRef>
-          <a:fillRef idx="0">
-            <a:schemeClr val="accent1"/>
-          </a:fillRef>
-          <a:effectRef idx="0">
-            <a:schemeClr val="accent1"/>
-          </a:effectRef>
-          <a:fontRef idx="minor">
-            <a:schemeClr val="tx1"/>
-          </a:fontRef>
-        </p:style>
-      </p:cxnSp>
-      <p:cxnSp>
-        <p:nvCxnSpPr>
-          <p:cNvPr id="3" name="Straight Arrow Connector 2"/>
-          <p:cNvCxnSpPr>
-            <a:stCxn id="4" idx="2"/>
-            <a:endCxn id="6" idx="0"/>
-          </p:cNvCxnSpPr>
-          <p:nvPr/>
-        </p:nvCxnSpPr>
-        <p:spPr>
-          <a:xfrm>
-            <a:off x="1396261" y="1695674"/>
-            <a:ext cx="0" cy="895126"/>
-          </a:xfrm>
-          <a:prstGeom prst="straightConnector1">
             <a:avLst/>
           </a:prstGeom>
           <a:ln>
